--- a/slides/Unit9_Logical Expressions.pptx
+++ b/slides/Unit9_Logical Expressions.pptx
@@ -179,16 +179,40 @@
 </p:presentation>
 </file>
 
-<file path=ppt/revisionInfo.xml><?xml version="1.0" encoding="utf-8"?>
-<p1510:revInfo xmlns:a="http://schemas.openxmlformats.org/drawingml/2006/main" xmlns:r="http://schemas.openxmlformats.org/officeDocument/2006/relationships" xmlns:p1510="http://schemas.microsoft.com/office/powerpoint/2015/10/main">
-  <p1510:revLst>
-    <p1510:client id="{9368B05C-140F-4176-8961-3CCA23DBAE68}" v="15" dt="2021-01-27T09:45:49.240"/>
-  </p1510:revLst>
-</p1510:revInfo>
-</file>
-
 <file path=ppt/changesInfos/changesInfo1.xml><?xml version="1.0" encoding="utf-8"?>
 <pc:chgInfo xmlns:a="http://schemas.openxmlformats.org/drawingml/2006/main" xmlns:r="http://schemas.openxmlformats.org/officeDocument/2006/relationships" xmlns:ac="http://schemas.microsoft.com/office/drawing/2013/main/command" xmlns:pc="http://schemas.microsoft.com/office/powerpoint/2013/main/command">
+  <pc:docChgLst>
+    <pc:chgData name="Zhao Jin" userId="S::dcszjin@nus.edu.sg::cd05a825-544c-438a-9ba1-08e63db50b47" providerId="AD" clId="Web-{66D5AB6E-AF24-491D-9529-2DDB49AD3149}"/>
+    <pc:docChg chg="modSld">
+      <pc:chgData name="Zhao Jin" userId="S::dcszjin@nus.edu.sg::cd05a825-544c-438a-9ba1-08e63db50b47" providerId="AD" clId="Web-{66D5AB6E-AF24-491D-9529-2DDB49AD3149}" dt="2021-01-20T08:43:03.224" v="8" actId="14100"/>
+      <pc:docMkLst>
+        <pc:docMk/>
+      </pc:docMkLst>
+      <pc:sldChg chg="modSp">
+        <pc:chgData name="Zhao Jin" userId="S::dcszjin@nus.edu.sg::cd05a825-544c-438a-9ba1-08e63db50b47" providerId="AD" clId="Web-{66D5AB6E-AF24-491D-9529-2DDB49AD3149}" dt="2021-01-20T08:43:03.224" v="8" actId="14100"/>
+        <pc:sldMkLst>
+          <pc:docMk/>
+          <pc:sldMk cId="901453530" sldId="546"/>
+        </pc:sldMkLst>
+        <pc:spChg chg="mod">
+          <ac:chgData name="Zhao Jin" userId="S::dcszjin@nus.edu.sg::cd05a825-544c-438a-9ba1-08e63db50b47" providerId="AD" clId="Web-{66D5AB6E-AF24-491D-9529-2DDB49AD3149}" dt="2021-01-20T08:43:03.224" v="8" actId="14100"/>
+          <ac:spMkLst>
+            <pc:docMk/>
+            <pc:sldMk cId="901453530" sldId="546"/>
+            <ac:spMk id="9" creationId="{00000000-0000-0000-0000-000000000000}"/>
+          </ac:spMkLst>
+        </pc:spChg>
+        <pc:spChg chg="mod">
+          <ac:chgData name="Zhao Jin" userId="S::dcszjin@nus.edu.sg::cd05a825-544c-438a-9ba1-08e63db50b47" providerId="AD" clId="Web-{66D5AB6E-AF24-491D-9529-2DDB49AD3149}" dt="2021-01-20T08:42:24.723" v="4" actId="1076"/>
+          <ac:spMkLst>
+            <pc:docMk/>
+            <pc:sldMk cId="901453530" sldId="546"/>
+            <ac:spMk id="14" creationId="{00000000-0000-0000-0000-000000000000}"/>
+          </ac:spMkLst>
+        </pc:spChg>
+      </pc:sldChg>
+    </pc:docChg>
+  </pc:docChgLst>
   <pc:docChgLst>
     <pc:chgData name="Zhao Jin" userId="cd05a825-544c-438a-9ba1-08e63db50b47" providerId="ADAL" clId="{3342749F-A4A3-4CC6-8E89-A279285BF1FF}"/>
     <pc:docChg chg="undo custSel addSld delSld modSld sldOrd">
@@ -1153,368 +1177,6 @@
     </pc:docChg>
   </pc:docChgLst>
   <pc:docChgLst>
-    <pc:chgData name="Zhao Jin" userId="cd05a825-544c-438a-9ba1-08e63db50b47" providerId="ADAL" clId="{FB8D0332-BB01-074F-9BB6-FFB5B3E6FF8D}"/>
-    <pc:docChg chg="modSld modMainMaster">
-      <pc:chgData name="Zhao Jin" userId="cd05a825-544c-438a-9ba1-08e63db50b47" providerId="ADAL" clId="{FB8D0332-BB01-074F-9BB6-FFB5B3E6FF8D}" dt="2021-01-27T04:59:06.721" v="57"/>
-      <pc:docMkLst>
-        <pc:docMk/>
-      </pc:docMkLst>
-      <pc:sldChg chg="modSp">
-        <pc:chgData name="Zhao Jin" userId="cd05a825-544c-438a-9ba1-08e63db50b47" providerId="ADAL" clId="{FB8D0332-BB01-074F-9BB6-FFB5B3E6FF8D}" dt="2021-01-27T04:58:41.230" v="19" actId="20577"/>
-        <pc:sldMkLst>
-          <pc:docMk/>
-          <pc:sldMk cId="0" sldId="256"/>
-        </pc:sldMkLst>
-        <pc:spChg chg="mod">
-          <ac:chgData name="Zhao Jin" userId="cd05a825-544c-438a-9ba1-08e63db50b47" providerId="ADAL" clId="{FB8D0332-BB01-074F-9BB6-FFB5B3E6FF8D}" dt="2021-01-27T04:58:35.912" v="0" actId="20577"/>
-          <ac:spMkLst>
-            <pc:docMk/>
-            <pc:sldMk cId="0" sldId="256"/>
-            <ac:spMk id="8" creationId="{00000000-0000-0000-0000-000000000000}"/>
-          </ac:spMkLst>
-        </pc:spChg>
-        <pc:spChg chg="mod">
-          <ac:chgData name="Zhao Jin" userId="cd05a825-544c-438a-9ba1-08e63db50b47" providerId="ADAL" clId="{FB8D0332-BB01-074F-9BB6-FFB5B3E6FF8D}" dt="2021-01-27T04:58:41.230" v="19" actId="20577"/>
-          <ac:spMkLst>
-            <pc:docMk/>
-            <pc:sldMk cId="0" sldId="256"/>
-            <ac:spMk id="11" creationId="{00000000-0000-0000-0000-000000000000}"/>
-          </ac:spMkLst>
-        </pc:spChg>
-      </pc:sldChg>
-      <pc:sldChg chg="modSp">
-        <pc:chgData name="Zhao Jin" userId="cd05a825-544c-438a-9ba1-08e63db50b47" providerId="ADAL" clId="{FB8D0332-BB01-074F-9BB6-FFB5B3E6FF8D}" dt="2021-01-27T04:59:06.721" v="57"/>
-        <pc:sldMkLst>
-          <pc:docMk/>
-          <pc:sldMk cId="2438607696" sldId="468"/>
-        </pc:sldMkLst>
-        <pc:spChg chg="mod">
-          <ac:chgData name="Zhao Jin" userId="cd05a825-544c-438a-9ba1-08e63db50b47" providerId="ADAL" clId="{FB8D0332-BB01-074F-9BB6-FFB5B3E6FF8D}" dt="2021-01-27T04:59:06.721" v="57"/>
-          <ac:spMkLst>
-            <pc:docMk/>
-            <pc:sldMk cId="2438607696" sldId="468"/>
-            <ac:spMk id="7" creationId="{00000000-0000-0000-0000-000000000000}"/>
-          </ac:spMkLst>
-        </pc:spChg>
-        <pc:spChg chg="mod">
-          <ac:chgData name="Zhao Jin" userId="cd05a825-544c-438a-9ba1-08e63db50b47" providerId="ADAL" clId="{FB8D0332-BB01-074F-9BB6-FFB5B3E6FF8D}" dt="2021-01-27T04:58:52.268" v="56" actId="20577"/>
-          <ac:spMkLst>
-            <pc:docMk/>
-            <pc:sldMk cId="2438607696" sldId="468"/>
-            <ac:spMk id="14338" creationId="{00000000-0000-0000-0000-000000000000}"/>
-          </ac:spMkLst>
-        </pc:spChg>
-      </pc:sldChg>
-      <pc:sldChg chg="modSp">
-        <pc:chgData name="Zhao Jin" userId="cd05a825-544c-438a-9ba1-08e63db50b47" providerId="ADAL" clId="{FB8D0332-BB01-074F-9BB6-FFB5B3E6FF8D}" dt="2021-01-27T04:59:06.721" v="57"/>
-        <pc:sldMkLst>
-          <pc:docMk/>
-          <pc:sldMk cId="1311126165" sldId="485"/>
-        </pc:sldMkLst>
-        <pc:spChg chg="mod">
-          <ac:chgData name="Zhao Jin" userId="cd05a825-544c-438a-9ba1-08e63db50b47" providerId="ADAL" clId="{FB8D0332-BB01-074F-9BB6-FFB5B3E6FF8D}" dt="2021-01-27T04:59:06.721" v="57"/>
-          <ac:spMkLst>
-            <pc:docMk/>
-            <pc:sldMk cId="1311126165" sldId="485"/>
-            <ac:spMk id="9" creationId="{00000000-0000-0000-0000-000000000000}"/>
-          </ac:spMkLst>
-        </pc:spChg>
-      </pc:sldChg>
-      <pc:sldChg chg="modSp">
-        <pc:chgData name="Zhao Jin" userId="cd05a825-544c-438a-9ba1-08e63db50b47" providerId="ADAL" clId="{FB8D0332-BB01-074F-9BB6-FFB5B3E6FF8D}" dt="2021-01-27T04:59:06.721" v="57"/>
-        <pc:sldMkLst>
-          <pc:docMk/>
-          <pc:sldMk cId="681224785" sldId="531"/>
-        </pc:sldMkLst>
-        <pc:spChg chg="mod">
-          <ac:chgData name="Zhao Jin" userId="cd05a825-544c-438a-9ba1-08e63db50b47" providerId="ADAL" clId="{FB8D0332-BB01-074F-9BB6-FFB5B3E6FF8D}" dt="2021-01-27T04:59:06.721" v="57"/>
-          <ac:spMkLst>
-            <pc:docMk/>
-            <pc:sldMk cId="681224785" sldId="531"/>
-            <ac:spMk id="43" creationId="{00000000-0000-0000-0000-000000000000}"/>
-          </ac:spMkLst>
-        </pc:spChg>
-      </pc:sldChg>
-      <pc:sldChg chg="modSp">
-        <pc:chgData name="Zhao Jin" userId="cd05a825-544c-438a-9ba1-08e63db50b47" providerId="ADAL" clId="{FB8D0332-BB01-074F-9BB6-FFB5B3E6FF8D}" dt="2021-01-27T04:59:06.721" v="57"/>
-        <pc:sldMkLst>
-          <pc:docMk/>
-          <pc:sldMk cId="901453530" sldId="546"/>
-        </pc:sldMkLst>
-        <pc:spChg chg="mod">
-          <ac:chgData name="Zhao Jin" userId="cd05a825-544c-438a-9ba1-08e63db50b47" providerId="ADAL" clId="{FB8D0332-BB01-074F-9BB6-FFB5B3E6FF8D}" dt="2021-01-27T04:59:06.721" v="57"/>
-          <ac:spMkLst>
-            <pc:docMk/>
-            <pc:sldMk cId="901453530" sldId="546"/>
-            <ac:spMk id="7" creationId="{00000000-0000-0000-0000-000000000000}"/>
-          </ac:spMkLst>
-        </pc:spChg>
-      </pc:sldChg>
-      <pc:sldChg chg="modSp">
-        <pc:chgData name="Zhao Jin" userId="cd05a825-544c-438a-9ba1-08e63db50b47" providerId="ADAL" clId="{FB8D0332-BB01-074F-9BB6-FFB5B3E6FF8D}" dt="2021-01-27T04:59:06.721" v="57"/>
-        <pc:sldMkLst>
-          <pc:docMk/>
-          <pc:sldMk cId="884841463" sldId="547"/>
-        </pc:sldMkLst>
-        <pc:spChg chg="mod">
-          <ac:chgData name="Zhao Jin" userId="cd05a825-544c-438a-9ba1-08e63db50b47" providerId="ADAL" clId="{FB8D0332-BB01-074F-9BB6-FFB5B3E6FF8D}" dt="2021-01-27T04:59:06.721" v="57"/>
-          <ac:spMkLst>
-            <pc:docMk/>
-            <pc:sldMk cId="884841463" sldId="547"/>
-            <ac:spMk id="7" creationId="{00000000-0000-0000-0000-000000000000}"/>
-          </ac:spMkLst>
-        </pc:spChg>
-      </pc:sldChg>
-      <pc:sldChg chg="modSp">
-        <pc:chgData name="Zhao Jin" userId="cd05a825-544c-438a-9ba1-08e63db50b47" providerId="ADAL" clId="{FB8D0332-BB01-074F-9BB6-FFB5B3E6FF8D}" dt="2021-01-27T04:59:06.721" v="57"/>
-        <pc:sldMkLst>
-          <pc:docMk/>
-          <pc:sldMk cId="1617257579" sldId="548"/>
-        </pc:sldMkLst>
-        <pc:spChg chg="mod">
-          <ac:chgData name="Zhao Jin" userId="cd05a825-544c-438a-9ba1-08e63db50b47" providerId="ADAL" clId="{FB8D0332-BB01-074F-9BB6-FFB5B3E6FF8D}" dt="2021-01-27T04:59:06.721" v="57"/>
-          <ac:spMkLst>
-            <pc:docMk/>
-            <pc:sldMk cId="1617257579" sldId="548"/>
-            <ac:spMk id="7" creationId="{00000000-0000-0000-0000-000000000000}"/>
-          </ac:spMkLst>
-        </pc:spChg>
-      </pc:sldChg>
-      <pc:sldChg chg="modSp">
-        <pc:chgData name="Zhao Jin" userId="cd05a825-544c-438a-9ba1-08e63db50b47" providerId="ADAL" clId="{FB8D0332-BB01-074F-9BB6-FFB5B3E6FF8D}" dt="2021-01-27T04:59:06.721" v="57"/>
-        <pc:sldMkLst>
-          <pc:docMk/>
-          <pc:sldMk cId="3394924879" sldId="549"/>
-        </pc:sldMkLst>
-        <pc:spChg chg="mod">
-          <ac:chgData name="Zhao Jin" userId="cd05a825-544c-438a-9ba1-08e63db50b47" providerId="ADAL" clId="{FB8D0332-BB01-074F-9BB6-FFB5B3E6FF8D}" dt="2021-01-27T04:59:06.721" v="57"/>
-          <ac:spMkLst>
-            <pc:docMk/>
-            <pc:sldMk cId="3394924879" sldId="549"/>
-            <ac:spMk id="43" creationId="{00000000-0000-0000-0000-000000000000}"/>
-          </ac:spMkLst>
-        </pc:spChg>
-      </pc:sldChg>
-      <pc:sldChg chg="modSp">
-        <pc:chgData name="Zhao Jin" userId="cd05a825-544c-438a-9ba1-08e63db50b47" providerId="ADAL" clId="{FB8D0332-BB01-074F-9BB6-FFB5B3E6FF8D}" dt="2021-01-27T04:59:06.721" v="57"/>
-        <pc:sldMkLst>
-          <pc:docMk/>
-          <pc:sldMk cId="784668950" sldId="550"/>
-        </pc:sldMkLst>
-        <pc:spChg chg="mod">
-          <ac:chgData name="Zhao Jin" userId="cd05a825-544c-438a-9ba1-08e63db50b47" providerId="ADAL" clId="{FB8D0332-BB01-074F-9BB6-FFB5B3E6FF8D}" dt="2021-01-27T04:59:06.721" v="57"/>
-          <ac:spMkLst>
-            <pc:docMk/>
-            <pc:sldMk cId="784668950" sldId="550"/>
-            <ac:spMk id="43" creationId="{00000000-0000-0000-0000-000000000000}"/>
-          </ac:spMkLst>
-        </pc:spChg>
-      </pc:sldChg>
-      <pc:sldMasterChg chg="modSp modSldLayout">
-        <pc:chgData name="Zhao Jin" userId="cd05a825-544c-438a-9ba1-08e63db50b47" providerId="ADAL" clId="{FB8D0332-BB01-074F-9BB6-FFB5B3E6FF8D}" dt="2021-01-27T04:59:06.721" v="57"/>
-        <pc:sldMasterMkLst>
-          <pc:docMk/>
-          <pc:sldMasterMk cId="0" sldId="2147485087"/>
-        </pc:sldMasterMkLst>
-        <pc:spChg chg="mod">
-          <ac:chgData name="Zhao Jin" userId="cd05a825-544c-438a-9ba1-08e63db50b47" providerId="ADAL" clId="{FB8D0332-BB01-074F-9BB6-FFB5B3E6FF8D}" dt="2021-01-27T04:59:06.721" v="57"/>
-          <ac:spMkLst>
-            <pc:docMk/>
-            <pc:sldMasterMk cId="0" sldId="2147485087"/>
-            <ac:spMk id="6" creationId="{00000000-0000-0000-0000-000000000000}"/>
-          </ac:spMkLst>
-        </pc:spChg>
-        <pc:sldLayoutChg chg="modSp">
-          <pc:chgData name="Zhao Jin" userId="cd05a825-544c-438a-9ba1-08e63db50b47" providerId="ADAL" clId="{FB8D0332-BB01-074F-9BB6-FFB5B3E6FF8D}" dt="2021-01-27T04:59:06.721" v="57"/>
-          <pc:sldLayoutMkLst>
-            <pc:docMk/>
-            <pc:sldMasterMk cId="0" sldId="2147485087"/>
-            <pc:sldLayoutMk cId="0" sldId="2147485088"/>
-          </pc:sldLayoutMkLst>
-          <pc:spChg chg="mod">
-            <ac:chgData name="Zhao Jin" userId="cd05a825-544c-438a-9ba1-08e63db50b47" providerId="ADAL" clId="{FB8D0332-BB01-074F-9BB6-FFB5B3E6FF8D}" dt="2021-01-27T04:59:06.721" v="57"/>
-            <ac:spMkLst>
-              <pc:docMk/>
-              <pc:sldMasterMk cId="0" sldId="2147485087"/>
-              <pc:sldLayoutMk cId="0" sldId="2147485088"/>
-              <ac:spMk id="6" creationId="{00000000-0000-0000-0000-000000000000}"/>
-            </ac:spMkLst>
-          </pc:spChg>
-        </pc:sldLayoutChg>
-        <pc:sldLayoutChg chg="modSp">
-          <pc:chgData name="Zhao Jin" userId="cd05a825-544c-438a-9ba1-08e63db50b47" providerId="ADAL" clId="{FB8D0332-BB01-074F-9BB6-FFB5B3E6FF8D}" dt="2021-01-27T04:59:06.721" v="57"/>
-          <pc:sldLayoutMkLst>
-            <pc:docMk/>
-            <pc:sldMasterMk cId="0" sldId="2147485087"/>
-            <pc:sldLayoutMk cId="0" sldId="2147485089"/>
-          </pc:sldLayoutMkLst>
-          <pc:spChg chg="mod">
-            <ac:chgData name="Zhao Jin" userId="cd05a825-544c-438a-9ba1-08e63db50b47" providerId="ADAL" clId="{FB8D0332-BB01-074F-9BB6-FFB5B3E6FF8D}" dt="2021-01-27T04:59:06.721" v="57"/>
-            <ac:spMkLst>
-              <pc:docMk/>
-              <pc:sldMasterMk cId="0" sldId="2147485087"/>
-              <pc:sldLayoutMk cId="0" sldId="2147485089"/>
-              <ac:spMk id="6" creationId="{00000000-0000-0000-0000-000000000000}"/>
-            </ac:spMkLst>
-          </pc:spChg>
-        </pc:sldLayoutChg>
-        <pc:sldLayoutChg chg="modSp">
-          <pc:chgData name="Zhao Jin" userId="cd05a825-544c-438a-9ba1-08e63db50b47" providerId="ADAL" clId="{FB8D0332-BB01-074F-9BB6-FFB5B3E6FF8D}" dt="2021-01-27T04:59:06.721" v="57"/>
-          <pc:sldLayoutMkLst>
-            <pc:docMk/>
-            <pc:sldMasterMk cId="0" sldId="2147485087"/>
-            <pc:sldLayoutMk cId="0" sldId="2147485090"/>
-          </pc:sldLayoutMkLst>
-          <pc:spChg chg="mod">
-            <ac:chgData name="Zhao Jin" userId="cd05a825-544c-438a-9ba1-08e63db50b47" providerId="ADAL" clId="{FB8D0332-BB01-074F-9BB6-FFB5B3E6FF8D}" dt="2021-01-27T04:59:06.721" v="57"/>
-            <ac:spMkLst>
-              <pc:docMk/>
-              <pc:sldMasterMk cId="0" sldId="2147485087"/>
-              <pc:sldLayoutMk cId="0" sldId="2147485090"/>
-              <ac:spMk id="6" creationId="{00000000-0000-0000-0000-000000000000}"/>
-            </ac:spMkLst>
-          </pc:spChg>
-        </pc:sldLayoutChg>
-        <pc:sldLayoutChg chg="modSp">
-          <pc:chgData name="Zhao Jin" userId="cd05a825-544c-438a-9ba1-08e63db50b47" providerId="ADAL" clId="{FB8D0332-BB01-074F-9BB6-FFB5B3E6FF8D}" dt="2021-01-27T04:59:06.721" v="57"/>
-          <pc:sldLayoutMkLst>
-            <pc:docMk/>
-            <pc:sldMasterMk cId="0" sldId="2147485087"/>
-            <pc:sldLayoutMk cId="0" sldId="2147485091"/>
-          </pc:sldLayoutMkLst>
-          <pc:spChg chg="mod">
-            <ac:chgData name="Zhao Jin" userId="cd05a825-544c-438a-9ba1-08e63db50b47" providerId="ADAL" clId="{FB8D0332-BB01-074F-9BB6-FFB5B3E6FF8D}" dt="2021-01-27T04:59:06.721" v="57"/>
-            <ac:spMkLst>
-              <pc:docMk/>
-              <pc:sldMasterMk cId="0" sldId="2147485087"/>
-              <pc:sldLayoutMk cId="0" sldId="2147485091"/>
-              <ac:spMk id="7" creationId="{00000000-0000-0000-0000-000000000000}"/>
-            </ac:spMkLst>
-          </pc:spChg>
-        </pc:sldLayoutChg>
-        <pc:sldLayoutChg chg="modSp">
-          <pc:chgData name="Zhao Jin" userId="cd05a825-544c-438a-9ba1-08e63db50b47" providerId="ADAL" clId="{FB8D0332-BB01-074F-9BB6-FFB5B3E6FF8D}" dt="2021-01-27T04:59:06.721" v="57"/>
-          <pc:sldLayoutMkLst>
-            <pc:docMk/>
-            <pc:sldMasterMk cId="0" sldId="2147485087"/>
-            <pc:sldLayoutMk cId="0" sldId="2147485092"/>
-          </pc:sldLayoutMkLst>
-          <pc:spChg chg="mod">
-            <ac:chgData name="Zhao Jin" userId="cd05a825-544c-438a-9ba1-08e63db50b47" providerId="ADAL" clId="{FB8D0332-BB01-074F-9BB6-FFB5B3E6FF8D}" dt="2021-01-27T04:59:06.721" v="57"/>
-            <ac:spMkLst>
-              <pc:docMk/>
-              <pc:sldMasterMk cId="0" sldId="2147485087"/>
-              <pc:sldLayoutMk cId="0" sldId="2147485092"/>
-              <ac:spMk id="9" creationId="{00000000-0000-0000-0000-000000000000}"/>
-            </ac:spMkLst>
-          </pc:spChg>
-        </pc:sldLayoutChg>
-        <pc:sldLayoutChg chg="modSp">
-          <pc:chgData name="Zhao Jin" userId="cd05a825-544c-438a-9ba1-08e63db50b47" providerId="ADAL" clId="{FB8D0332-BB01-074F-9BB6-FFB5B3E6FF8D}" dt="2021-01-27T04:59:06.721" v="57"/>
-          <pc:sldLayoutMkLst>
-            <pc:docMk/>
-            <pc:sldMasterMk cId="0" sldId="2147485087"/>
-            <pc:sldLayoutMk cId="0" sldId="2147485093"/>
-          </pc:sldLayoutMkLst>
-          <pc:spChg chg="mod">
-            <ac:chgData name="Zhao Jin" userId="cd05a825-544c-438a-9ba1-08e63db50b47" providerId="ADAL" clId="{FB8D0332-BB01-074F-9BB6-FFB5B3E6FF8D}" dt="2021-01-27T04:59:06.721" v="57"/>
-            <ac:spMkLst>
-              <pc:docMk/>
-              <pc:sldMasterMk cId="0" sldId="2147485087"/>
-              <pc:sldLayoutMk cId="0" sldId="2147485093"/>
-              <ac:spMk id="5" creationId="{00000000-0000-0000-0000-000000000000}"/>
-            </ac:spMkLst>
-          </pc:spChg>
-        </pc:sldLayoutChg>
-        <pc:sldLayoutChg chg="modSp">
-          <pc:chgData name="Zhao Jin" userId="cd05a825-544c-438a-9ba1-08e63db50b47" providerId="ADAL" clId="{FB8D0332-BB01-074F-9BB6-FFB5B3E6FF8D}" dt="2021-01-27T04:59:06.721" v="57"/>
-          <pc:sldLayoutMkLst>
-            <pc:docMk/>
-            <pc:sldMasterMk cId="0" sldId="2147485087"/>
-            <pc:sldLayoutMk cId="0" sldId="2147485094"/>
-          </pc:sldLayoutMkLst>
-          <pc:spChg chg="mod">
-            <ac:chgData name="Zhao Jin" userId="cd05a825-544c-438a-9ba1-08e63db50b47" providerId="ADAL" clId="{FB8D0332-BB01-074F-9BB6-FFB5B3E6FF8D}" dt="2021-01-27T04:59:06.721" v="57"/>
-            <ac:spMkLst>
-              <pc:docMk/>
-              <pc:sldMasterMk cId="0" sldId="2147485087"/>
-              <pc:sldLayoutMk cId="0" sldId="2147485094"/>
-              <ac:spMk id="4" creationId="{00000000-0000-0000-0000-000000000000}"/>
-            </ac:spMkLst>
-          </pc:spChg>
-        </pc:sldLayoutChg>
-        <pc:sldLayoutChg chg="modSp">
-          <pc:chgData name="Zhao Jin" userId="cd05a825-544c-438a-9ba1-08e63db50b47" providerId="ADAL" clId="{FB8D0332-BB01-074F-9BB6-FFB5B3E6FF8D}" dt="2021-01-27T04:59:06.721" v="57"/>
-          <pc:sldLayoutMkLst>
-            <pc:docMk/>
-            <pc:sldMasterMk cId="0" sldId="2147485087"/>
-            <pc:sldLayoutMk cId="0" sldId="2147485095"/>
-          </pc:sldLayoutMkLst>
-          <pc:spChg chg="mod">
-            <ac:chgData name="Zhao Jin" userId="cd05a825-544c-438a-9ba1-08e63db50b47" providerId="ADAL" clId="{FB8D0332-BB01-074F-9BB6-FFB5B3E6FF8D}" dt="2021-01-27T04:59:06.721" v="57"/>
-            <ac:spMkLst>
-              <pc:docMk/>
-              <pc:sldMasterMk cId="0" sldId="2147485087"/>
-              <pc:sldLayoutMk cId="0" sldId="2147485095"/>
-              <ac:spMk id="7" creationId="{00000000-0000-0000-0000-000000000000}"/>
-            </ac:spMkLst>
-          </pc:spChg>
-        </pc:sldLayoutChg>
-        <pc:sldLayoutChg chg="modSp">
-          <pc:chgData name="Zhao Jin" userId="cd05a825-544c-438a-9ba1-08e63db50b47" providerId="ADAL" clId="{FB8D0332-BB01-074F-9BB6-FFB5B3E6FF8D}" dt="2021-01-27T04:59:06.721" v="57"/>
-          <pc:sldLayoutMkLst>
-            <pc:docMk/>
-            <pc:sldMasterMk cId="0" sldId="2147485087"/>
-            <pc:sldLayoutMk cId="0" sldId="2147485096"/>
-          </pc:sldLayoutMkLst>
-          <pc:spChg chg="mod">
-            <ac:chgData name="Zhao Jin" userId="cd05a825-544c-438a-9ba1-08e63db50b47" providerId="ADAL" clId="{FB8D0332-BB01-074F-9BB6-FFB5B3E6FF8D}" dt="2021-01-27T04:59:06.721" v="57"/>
-            <ac:spMkLst>
-              <pc:docMk/>
-              <pc:sldMasterMk cId="0" sldId="2147485087"/>
-              <pc:sldLayoutMk cId="0" sldId="2147485096"/>
-              <ac:spMk id="7" creationId="{00000000-0000-0000-0000-000000000000}"/>
-            </ac:spMkLst>
-          </pc:spChg>
-        </pc:sldLayoutChg>
-        <pc:sldLayoutChg chg="modSp">
-          <pc:chgData name="Zhao Jin" userId="cd05a825-544c-438a-9ba1-08e63db50b47" providerId="ADAL" clId="{FB8D0332-BB01-074F-9BB6-FFB5B3E6FF8D}" dt="2021-01-27T04:59:06.721" v="57"/>
-          <pc:sldLayoutMkLst>
-            <pc:docMk/>
-            <pc:sldMasterMk cId="0" sldId="2147485087"/>
-            <pc:sldLayoutMk cId="0" sldId="2147485097"/>
-          </pc:sldLayoutMkLst>
-          <pc:spChg chg="mod">
-            <ac:chgData name="Zhao Jin" userId="cd05a825-544c-438a-9ba1-08e63db50b47" providerId="ADAL" clId="{FB8D0332-BB01-074F-9BB6-FFB5B3E6FF8D}" dt="2021-01-27T04:59:06.721" v="57"/>
-            <ac:spMkLst>
-              <pc:docMk/>
-              <pc:sldMasterMk cId="0" sldId="2147485087"/>
-              <pc:sldLayoutMk cId="0" sldId="2147485097"/>
-              <ac:spMk id="6" creationId="{00000000-0000-0000-0000-000000000000}"/>
-            </ac:spMkLst>
-          </pc:spChg>
-        </pc:sldLayoutChg>
-        <pc:sldLayoutChg chg="modSp">
-          <pc:chgData name="Zhao Jin" userId="cd05a825-544c-438a-9ba1-08e63db50b47" providerId="ADAL" clId="{FB8D0332-BB01-074F-9BB6-FFB5B3E6FF8D}" dt="2021-01-27T04:59:06.721" v="57"/>
-          <pc:sldLayoutMkLst>
-            <pc:docMk/>
-            <pc:sldMasterMk cId="0" sldId="2147485087"/>
-            <pc:sldLayoutMk cId="0" sldId="2147485098"/>
-          </pc:sldLayoutMkLst>
-          <pc:spChg chg="mod">
-            <ac:chgData name="Zhao Jin" userId="cd05a825-544c-438a-9ba1-08e63db50b47" providerId="ADAL" clId="{FB8D0332-BB01-074F-9BB6-FFB5B3E6FF8D}" dt="2021-01-27T04:59:06.721" v="57"/>
-            <ac:spMkLst>
-              <pc:docMk/>
-              <pc:sldMasterMk cId="0" sldId="2147485087"/>
-              <pc:sldLayoutMk cId="0" sldId="2147485098"/>
-              <ac:spMk id="6" creationId="{00000000-0000-0000-0000-000000000000}"/>
-            </ac:spMkLst>
-          </pc:spChg>
-        </pc:sldLayoutChg>
-      </pc:sldMasterChg>
-    </pc:docChg>
-  </pc:docChgLst>
-  <pc:docChgLst>
     <pc:chgData name="Zhao Jin" userId="cd05a825-544c-438a-9ba1-08e63db50b47" providerId="ADAL" clId="{BBE9D547-4B31-704D-9080-47B1CA4D9124}"/>
     <pc:docChg chg="modSld">
       <pc:chgData name="Zhao Jin" userId="cd05a825-544c-438a-9ba1-08e63db50b47" providerId="ADAL" clId="{BBE9D547-4B31-704D-9080-47B1CA4D9124}" dt="2021-01-18T05:40:31.767" v="29" actId="114"/>
@@ -1995,38 +1657,6 @@
     </pc:docChg>
   </pc:docChgLst>
   <pc:docChgLst>
-    <pc:chgData name="Zhao Jin" userId="S::dcszjin@nus.edu.sg::cd05a825-544c-438a-9ba1-08e63db50b47" providerId="AD" clId="Web-{66D5AB6E-AF24-491D-9529-2DDB49AD3149}"/>
-    <pc:docChg chg="modSld">
-      <pc:chgData name="Zhao Jin" userId="S::dcszjin@nus.edu.sg::cd05a825-544c-438a-9ba1-08e63db50b47" providerId="AD" clId="Web-{66D5AB6E-AF24-491D-9529-2DDB49AD3149}" dt="2021-01-20T08:43:03.224" v="8" actId="14100"/>
-      <pc:docMkLst>
-        <pc:docMk/>
-      </pc:docMkLst>
-      <pc:sldChg chg="modSp">
-        <pc:chgData name="Zhao Jin" userId="S::dcszjin@nus.edu.sg::cd05a825-544c-438a-9ba1-08e63db50b47" providerId="AD" clId="Web-{66D5AB6E-AF24-491D-9529-2DDB49AD3149}" dt="2021-01-20T08:43:03.224" v="8" actId="14100"/>
-        <pc:sldMkLst>
-          <pc:docMk/>
-          <pc:sldMk cId="901453530" sldId="546"/>
-        </pc:sldMkLst>
-        <pc:spChg chg="mod">
-          <ac:chgData name="Zhao Jin" userId="S::dcszjin@nus.edu.sg::cd05a825-544c-438a-9ba1-08e63db50b47" providerId="AD" clId="Web-{66D5AB6E-AF24-491D-9529-2DDB49AD3149}" dt="2021-01-20T08:43:03.224" v="8" actId="14100"/>
-          <ac:spMkLst>
-            <pc:docMk/>
-            <pc:sldMk cId="901453530" sldId="546"/>
-            <ac:spMk id="9" creationId="{00000000-0000-0000-0000-000000000000}"/>
-          </ac:spMkLst>
-        </pc:spChg>
-        <pc:spChg chg="mod">
-          <ac:chgData name="Zhao Jin" userId="S::dcszjin@nus.edu.sg::cd05a825-544c-438a-9ba1-08e63db50b47" providerId="AD" clId="Web-{66D5AB6E-AF24-491D-9529-2DDB49AD3149}" dt="2021-01-20T08:42:24.723" v="4" actId="1076"/>
-          <ac:spMkLst>
-            <pc:docMk/>
-            <pc:sldMk cId="901453530" sldId="546"/>
-            <ac:spMk id="14" creationId="{00000000-0000-0000-0000-000000000000}"/>
-          </ac:spMkLst>
-        </pc:spChg>
-      </pc:sldChg>
-    </pc:docChg>
-  </pc:docChgLst>
-  <pc:docChgLst>
     <pc:chgData name="Zhao Jin" userId="cd05a825-544c-438a-9ba1-08e63db50b47" providerId="ADAL" clId="{CD38D953-E846-244A-835A-192CE52710D4}"/>
     <pc:docChg chg="undo custSel addSld delSld modSld">
       <pc:chgData name="Zhao Jin" userId="cd05a825-544c-438a-9ba1-08e63db50b47" providerId="ADAL" clId="{CD38D953-E846-244A-835A-192CE52710D4}" dt="2021-01-25T03:26:17.801" v="482" actId="20577"/>
@@ -2255,6 +1885,407 @@
             <pc:docMk/>
             <pc:sldMk cId="335305844" sldId="551"/>
             <ac:spMk id="18" creationId="{FC6CF3F5-B435-44FE-A32E-F676476A0C6D}"/>
+          </ac:spMkLst>
+        </pc:spChg>
+      </pc:sldChg>
+    </pc:docChg>
+  </pc:docChgLst>
+  <pc:docChgLst>
+    <pc:chgData name="Zhao Jin" userId="cd05a825-544c-438a-9ba1-08e63db50b47" providerId="ADAL" clId="{FB8D0332-BB01-074F-9BB6-FFB5B3E6FF8D}"/>
+    <pc:docChg chg="modSld modMainMaster">
+      <pc:chgData name="Zhao Jin" userId="cd05a825-544c-438a-9ba1-08e63db50b47" providerId="ADAL" clId="{FB8D0332-BB01-074F-9BB6-FFB5B3E6FF8D}" dt="2021-01-27T04:59:06.721" v="57"/>
+      <pc:docMkLst>
+        <pc:docMk/>
+      </pc:docMkLst>
+      <pc:sldChg chg="modSp">
+        <pc:chgData name="Zhao Jin" userId="cd05a825-544c-438a-9ba1-08e63db50b47" providerId="ADAL" clId="{FB8D0332-BB01-074F-9BB6-FFB5B3E6FF8D}" dt="2021-01-27T04:58:41.230" v="19" actId="20577"/>
+        <pc:sldMkLst>
+          <pc:docMk/>
+          <pc:sldMk cId="0" sldId="256"/>
+        </pc:sldMkLst>
+        <pc:spChg chg="mod">
+          <ac:chgData name="Zhao Jin" userId="cd05a825-544c-438a-9ba1-08e63db50b47" providerId="ADAL" clId="{FB8D0332-BB01-074F-9BB6-FFB5B3E6FF8D}" dt="2021-01-27T04:58:35.912" v="0" actId="20577"/>
+          <ac:spMkLst>
+            <pc:docMk/>
+            <pc:sldMk cId="0" sldId="256"/>
+            <ac:spMk id="8" creationId="{00000000-0000-0000-0000-000000000000}"/>
+          </ac:spMkLst>
+        </pc:spChg>
+        <pc:spChg chg="mod">
+          <ac:chgData name="Zhao Jin" userId="cd05a825-544c-438a-9ba1-08e63db50b47" providerId="ADAL" clId="{FB8D0332-BB01-074F-9BB6-FFB5B3E6FF8D}" dt="2021-01-27T04:58:41.230" v="19" actId="20577"/>
+          <ac:spMkLst>
+            <pc:docMk/>
+            <pc:sldMk cId="0" sldId="256"/>
+            <ac:spMk id="11" creationId="{00000000-0000-0000-0000-000000000000}"/>
+          </ac:spMkLst>
+        </pc:spChg>
+      </pc:sldChg>
+      <pc:sldChg chg="modSp">
+        <pc:chgData name="Zhao Jin" userId="cd05a825-544c-438a-9ba1-08e63db50b47" providerId="ADAL" clId="{FB8D0332-BB01-074F-9BB6-FFB5B3E6FF8D}" dt="2021-01-27T04:59:06.721" v="57"/>
+        <pc:sldMkLst>
+          <pc:docMk/>
+          <pc:sldMk cId="2438607696" sldId="468"/>
+        </pc:sldMkLst>
+        <pc:spChg chg="mod">
+          <ac:chgData name="Zhao Jin" userId="cd05a825-544c-438a-9ba1-08e63db50b47" providerId="ADAL" clId="{FB8D0332-BB01-074F-9BB6-FFB5B3E6FF8D}" dt="2021-01-27T04:59:06.721" v="57"/>
+          <ac:spMkLst>
+            <pc:docMk/>
+            <pc:sldMk cId="2438607696" sldId="468"/>
+            <ac:spMk id="7" creationId="{00000000-0000-0000-0000-000000000000}"/>
+          </ac:spMkLst>
+        </pc:spChg>
+        <pc:spChg chg="mod">
+          <ac:chgData name="Zhao Jin" userId="cd05a825-544c-438a-9ba1-08e63db50b47" providerId="ADAL" clId="{FB8D0332-BB01-074F-9BB6-FFB5B3E6FF8D}" dt="2021-01-27T04:58:52.268" v="56" actId="20577"/>
+          <ac:spMkLst>
+            <pc:docMk/>
+            <pc:sldMk cId="2438607696" sldId="468"/>
+            <ac:spMk id="14338" creationId="{00000000-0000-0000-0000-000000000000}"/>
+          </ac:spMkLst>
+        </pc:spChg>
+      </pc:sldChg>
+      <pc:sldChg chg="modSp">
+        <pc:chgData name="Zhao Jin" userId="cd05a825-544c-438a-9ba1-08e63db50b47" providerId="ADAL" clId="{FB8D0332-BB01-074F-9BB6-FFB5B3E6FF8D}" dt="2021-01-27T04:59:06.721" v="57"/>
+        <pc:sldMkLst>
+          <pc:docMk/>
+          <pc:sldMk cId="1311126165" sldId="485"/>
+        </pc:sldMkLst>
+        <pc:spChg chg="mod">
+          <ac:chgData name="Zhao Jin" userId="cd05a825-544c-438a-9ba1-08e63db50b47" providerId="ADAL" clId="{FB8D0332-BB01-074F-9BB6-FFB5B3E6FF8D}" dt="2021-01-27T04:59:06.721" v="57"/>
+          <ac:spMkLst>
+            <pc:docMk/>
+            <pc:sldMk cId="1311126165" sldId="485"/>
+            <ac:spMk id="9" creationId="{00000000-0000-0000-0000-000000000000}"/>
+          </ac:spMkLst>
+        </pc:spChg>
+      </pc:sldChg>
+      <pc:sldChg chg="modSp">
+        <pc:chgData name="Zhao Jin" userId="cd05a825-544c-438a-9ba1-08e63db50b47" providerId="ADAL" clId="{FB8D0332-BB01-074F-9BB6-FFB5B3E6FF8D}" dt="2021-01-27T04:59:06.721" v="57"/>
+        <pc:sldMkLst>
+          <pc:docMk/>
+          <pc:sldMk cId="681224785" sldId="531"/>
+        </pc:sldMkLst>
+        <pc:spChg chg="mod">
+          <ac:chgData name="Zhao Jin" userId="cd05a825-544c-438a-9ba1-08e63db50b47" providerId="ADAL" clId="{FB8D0332-BB01-074F-9BB6-FFB5B3E6FF8D}" dt="2021-01-27T04:59:06.721" v="57"/>
+          <ac:spMkLst>
+            <pc:docMk/>
+            <pc:sldMk cId="681224785" sldId="531"/>
+            <ac:spMk id="43" creationId="{00000000-0000-0000-0000-000000000000}"/>
+          </ac:spMkLst>
+        </pc:spChg>
+      </pc:sldChg>
+      <pc:sldChg chg="modSp">
+        <pc:chgData name="Zhao Jin" userId="cd05a825-544c-438a-9ba1-08e63db50b47" providerId="ADAL" clId="{FB8D0332-BB01-074F-9BB6-FFB5B3E6FF8D}" dt="2021-01-27T04:59:06.721" v="57"/>
+        <pc:sldMkLst>
+          <pc:docMk/>
+          <pc:sldMk cId="901453530" sldId="546"/>
+        </pc:sldMkLst>
+        <pc:spChg chg="mod">
+          <ac:chgData name="Zhao Jin" userId="cd05a825-544c-438a-9ba1-08e63db50b47" providerId="ADAL" clId="{FB8D0332-BB01-074F-9BB6-FFB5B3E6FF8D}" dt="2021-01-27T04:59:06.721" v="57"/>
+          <ac:spMkLst>
+            <pc:docMk/>
+            <pc:sldMk cId="901453530" sldId="546"/>
+            <ac:spMk id="7" creationId="{00000000-0000-0000-0000-000000000000}"/>
+          </ac:spMkLst>
+        </pc:spChg>
+      </pc:sldChg>
+      <pc:sldChg chg="modSp">
+        <pc:chgData name="Zhao Jin" userId="cd05a825-544c-438a-9ba1-08e63db50b47" providerId="ADAL" clId="{FB8D0332-BB01-074F-9BB6-FFB5B3E6FF8D}" dt="2021-01-27T04:59:06.721" v="57"/>
+        <pc:sldMkLst>
+          <pc:docMk/>
+          <pc:sldMk cId="884841463" sldId="547"/>
+        </pc:sldMkLst>
+        <pc:spChg chg="mod">
+          <ac:chgData name="Zhao Jin" userId="cd05a825-544c-438a-9ba1-08e63db50b47" providerId="ADAL" clId="{FB8D0332-BB01-074F-9BB6-FFB5B3E6FF8D}" dt="2021-01-27T04:59:06.721" v="57"/>
+          <ac:spMkLst>
+            <pc:docMk/>
+            <pc:sldMk cId="884841463" sldId="547"/>
+            <ac:spMk id="7" creationId="{00000000-0000-0000-0000-000000000000}"/>
+          </ac:spMkLst>
+        </pc:spChg>
+      </pc:sldChg>
+      <pc:sldChg chg="modSp">
+        <pc:chgData name="Zhao Jin" userId="cd05a825-544c-438a-9ba1-08e63db50b47" providerId="ADAL" clId="{FB8D0332-BB01-074F-9BB6-FFB5B3E6FF8D}" dt="2021-01-27T04:59:06.721" v="57"/>
+        <pc:sldMkLst>
+          <pc:docMk/>
+          <pc:sldMk cId="1617257579" sldId="548"/>
+        </pc:sldMkLst>
+        <pc:spChg chg="mod">
+          <ac:chgData name="Zhao Jin" userId="cd05a825-544c-438a-9ba1-08e63db50b47" providerId="ADAL" clId="{FB8D0332-BB01-074F-9BB6-FFB5B3E6FF8D}" dt="2021-01-27T04:59:06.721" v="57"/>
+          <ac:spMkLst>
+            <pc:docMk/>
+            <pc:sldMk cId="1617257579" sldId="548"/>
+            <ac:spMk id="7" creationId="{00000000-0000-0000-0000-000000000000}"/>
+          </ac:spMkLst>
+        </pc:spChg>
+      </pc:sldChg>
+      <pc:sldChg chg="modSp">
+        <pc:chgData name="Zhao Jin" userId="cd05a825-544c-438a-9ba1-08e63db50b47" providerId="ADAL" clId="{FB8D0332-BB01-074F-9BB6-FFB5B3E6FF8D}" dt="2021-01-27T04:59:06.721" v="57"/>
+        <pc:sldMkLst>
+          <pc:docMk/>
+          <pc:sldMk cId="3394924879" sldId="549"/>
+        </pc:sldMkLst>
+        <pc:spChg chg="mod">
+          <ac:chgData name="Zhao Jin" userId="cd05a825-544c-438a-9ba1-08e63db50b47" providerId="ADAL" clId="{FB8D0332-BB01-074F-9BB6-FFB5B3E6FF8D}" dt="2021-01-27T04:59:06.721" v="57"/>
+          <ac:spMkLst>
+            <pc:docMk/>
+            <pc:sldMk cId="3394924879" sldId="549"/>
+            <ac:spMk id="43" creationId="{00000000-0000-0000-0000-000000000000}"/>
+          </ac:spMkLst>
+        </pc:spChg>
+      </pc:sldChg>
+      <pc:sldChg chg="modSp">
+        <pc:chgData name="Zhao Jin" userId="cd05a825-544c-438a-9ba1-08e63db50b47" providerId="ADAL" clId="{FB8D0332-BB01-074F-9BB6-FFB5B3E6FF8D}" dt="2021-01-27T04:59:06.721" v="57"/>
+        <pc:sldMkLst>
+          <pc:docMk/>
+          <pc:sldMk cId="784668950" sldId="550"/>
+        </pc:sldMkLst>
+        <pc:spChg chg="mod">
+          <ac:chgData name="Zhao Jin" userId="cd05a825-544c-438a-9ba1-08e63db50b47" providerId="ADAL" clId="{FB8D0332-BB01-074F-9BB6-FFB5B3E6FF8D}" dt="2021-01-27T04:59:06.721" v="57"/>
+          <ac:spMkLst>
+            <pc:docMk/>
+            <pc:sldMk cId="784668950" sldId="550"/>
+            <ac:spMk id="43" creationId="{00000000-0000-0000-0000-000000000000}"/>
+          </ac:spMkLst>
+        </pc:spChg>
+      </pc:sldChg>
+      <pc:sldMasterChg chg="modSp modSldLayout">
+        <pc:chgData name="Zhao Jin" userId="cd05a825-544c-438a-9ba1-08e63db50b47" providerId="ADAL" clId="{FB8D0332-BB01-074F-9BB6-FFB5B3E6FF8D}" dt="2021-01-27T04:59:06.721" v="57"/>
+        <pc:sldMasterMkLst>
+          <pc:docMk/>
+          <pc:sldMasterMk cId="0" sldId="2147485087"/>
+        </pc:sldMasterMkLst>
+        <pc:spChg chg="mod">
+          <ac:chgData name="Zhao Jin" userId="cd05a825-544c-438a-9ba1-08e63db50b47" providerId="ADAL" clId="{FB8D0332-BB01-074F-9BB6-FFB5B3E6FF8D}" dt="2021-01-27T04:59:06.721" v="57"/>
+          <ac:spMkLst>
+            <pc:docMk/>
+            <pc:sldMasterMk cId="0" sldId="2147485087"/>
+            <ac:spMk id="6" creationId="{00000000-0000-0000-0000-000000000000}"/>
+          </ac:spMkLst>
+        </pc:spChg>
+        <pc:sldLayoutChg chg="modSp">
+          <pc:chgData name="Zhao Jin" userId="cd05a825-544c-438a-9ba1-08e63db50b47" providerId="ADAL" clId="{FB8D0332-BB01-074F-9BB6-FFB5B3E6FF8D}" dt="2021-01-27T04:59:06.721" v="57"/>
+          <pc:sldLayoutMkLst>
+            <pc:docMk/>
+            <pc:sldMasterMk cId="0" sldId="2147485087"/>
+            <pc:sldLayoutMk cId="0" sldId="2147485088"/>
+          </pc:sldLayoutMkLst>
+          <pc:spChg chg="mod">
+            <ac:chgData name="Zhao Jin" userId="cd05a825-544c-438a-9ba1-08e63db50b47" providerId="ADAL" clId="{FB8D0332-BB01-074F-9BB6-FFB5B3E6FF8D}" dt="2021-01-27T04:59:06.721" v="57"/>
+            <ac:spMkLst>
+              <pc:docMk/>
+              <pc:sldMasterMk cId="0" sldId="2147485087"/>
+              <pc:sldLayoutMk cId="0" sldId="2147485088"/>
+              <ac:spMk id="6" creationId="{00000000-0000-0000-0000-000000000000}"/>
+            </ac:spMkLst>
+          </pc:spChg>
+        </pc:sldLayoutChg>
+        <pc:sldLayoutChg chg="modSp">
+          <pc:chgData name="Zhao Jin" userId="cd05a825-544c-438a-9ba1-08e63db50b47" providerId="ADAL" clId="{FB8D0332-BB01-074F-9BB6-FFB5B3E6FF8D}" dt="2021-01-27T04:59:06.721" v="57"/>
+          <pc:sldLayoutMkLst>
+            <pc:docMk/>
+            <pc:sldMasterMk cId="0" sldId="2147485087"/>
+            <pc:sldLayoutMk cId="0" sldId="2147485089"/>
+          </pc:sldLayoutMkLst>
+          <pc:spChg chg="mod">
+            <ac:chgData name="Zhao Jin" userId="cd05a825-544c-438a-9ba1-08e63db50b47" providerId="ADAL" clId="{FB8D0332-BB01-074F-9BB6-FFB5B3E6FF8D}" dt="2021-01-27T04:59:06.721" v="57"/>
+            <ac:spMkLst>
+              <pc:docMk/>
+              <pc:sldMasterMk cId="0" sldId="2147485087"/>
+              <pc:sldLayoutMk cId="0" sldId="2147485089"/>
+              <ac:spMk id="6" creationId="{00000000-0000-0000-0000-000000000000}"/>
+            </ac:spMkLst>
+          </pc:spChg>
+        </pc:sldLayoutChg>
+        <pc:sldLayoutChg chg="modSp">
+          <pc:chgData name="Zhao Jin" userId="cd05a825-544c-438a-9ba1-08e63db50b47" providerId="ADAL" clId="{FB8D0332-BB01-074F-9BB6-FFB5B3E6FF8D}" dt="2021-01-27T04:59:06.721" v="57"/>
+          <pc:sldLayoutMkLst>
+            <pc:docMk/>
+            <pc:sldMasterMk cId="0" sldId="2147485087"/>
+            <pc:sldLayoutMk cId="0" sldId="2147485090"/>
+          </pc:sldLayoutMkLst>
+          <pc:spChg chg="mod">
+            <ac:chgData name="Zhao Jin" userId="cd05a825-544c-438a-9ba1-08e63db50b47" providerId="ADAL" clId="{FB8D0332-BB01-074F-9BB6-FFB5B3E6FF8D}" dt="2021-01-27T04:59:06.721" v="57"/>
+            <ac:spMkLst>
+              <pc:docMk/>
+              <pc:sldMasterMk cId="0" sldId="2147485087"/>
+              <pc:sldLayoutMk cId="0" sldId="2147485090"/>
+              <ac:spMk id="6" creationId="{00000000-0000-0000-0000-000000000000}"/>
+            </ac:spMkLst>
+          </pc:spChg>
+        </pc:sldLayoutChg>
+        <pc:sldLayoutChg chg="modSp">
+          <pc:chgData name="Zhao Jin" userId="cd05a825-544c-438a-9ba1-08e63db50b47" providerId="ADAL" clId="{FB8D0332-BB01-074F-9BB6-FFB5B3E6FF8D}" dt="2021-01-27T04:59:06.721" v="57"/>
+          <pc:sldLayoutMkLst>
+            <pc:docMk/>
+            <pc:sldMasterMk cId="0" sldId="2147485087"/>
+            <pc:sldLayoutMk cId="0" sldId="2147485091"/>
+          </pc:sldLayoutMkLst>
+          <pc:spChg chg="mod">
+            <ac:chgData name="Zhao Jin" userId="cd05a825-544c-438a-9ba1-08e63db50b47" providerId="ADAL" clId="{FB8D0332-BB01-074F-9BB6-FFB5B3E6FF8D}" dt="2021-01-27T04:59:06.721" v="57"/>
+            <ac:spMkLst>
+              <pc:docMk/>
+              <pc:sldMasterMk cId="0" sldId="2147485087"/>
+              <pc:sldLayoutMk cId="0" sldId="2147485091"/>
+              <ac:spMk id="7" creationId="{00000000-0000-0000-0000-000000000000}"/>
+            </ac:spMkLst>
+          </pc:spChg>
+        </pc:sldLayoutChg>
+        <pc:sldLayoutChg chg="modSp">
+          <pc:chgData name="Zhao Jin" userId="cd05a825-544c-438a-9ba1-08e63db50b47" providerId="ADAL" clId="{FB8D0332-BB01-074F-9BB6-FFB5B3E6FF8D}" dt="2021-01-27T04:59:06.721" v="57"/>
+          <pc:sldLayoutMkLst>
+            <pc:docMk/>
+            <pc:sldMasterMk cId="0" sldId="2147485087"/>
+            <pc:sldLayoutMk cId="0" sldId="2147485092"/>
+          </pc:sldLayoutMkLst>
+          <pc:spChg chg="mod">
+            <ac:chgData name="Zhao Jin" userId="cd05a825-544c-438a-9ba1-08e63db50b47" providerId="ADAL" clId="{FB8D0332-BB01-074F-9BB6-FFB5B3E6FF8D}" dt="2021-01-27T04:59:06.721" v="57"/>
+            <ac:spMkLst>
+              <pc:docMk/>
+              <pc:sldMasterMk cId="0" sldId="2147485087"/>
+              <pc:sldLayoutMk cId="0" sldId="2147485092"/>
+              <ac:spMk id="9" creationId="{00000000-0000-0000-0000-000000000000}"/>
+            </ac:spMkLst>
+          </pc:spChg>
+        </pc:sldLayoutChg>
+        <pc:sldLayoutChg chg="modSp">
+          <pc:chgData name="Zhao Jin" userId="cd05a825-544c-438a-9ba1-08e63db50b47" providerId="ADAL" clId="{FB8D0332-BB01-074F-9BB6-FFB5B3E6FF8D}" dt="2021-01-27T04:59:06.721" v="57"/>
+          <pc:sldLayoutMkLst>
+            <pc:docMk/>
+            <pc:sldMasterMk cId="0" sldId="2147485087"/>
+            <pc:sldLayoutMk cId="0" sldId="2147485093"/>
+          </pc:sldLayoutMkLst>
+          <pc:spChg chg="mod">
+            <ac:chgData name="Zhao Jin" userId="cd05a825-544c-438a-9ba1-08e63db50b47" providerId="ADAL" clId="{FB8D0332-BB01-074F-9BB6-FFB5B3E6FF8D}" dt="2021-01-27T04:59:06.721" v="57"/>
+            <ac:spMkLst>
+              <pc:docMk/>
+              <pc:sldMasterMk cId="0" sldId="2147485087"/>
+              <pc:sldLayoutMk cId="0" sldId="2147485093"/>
+              <ac:spMk id="5" creationId="{00000000-0000-0000-0000-000000000000}"/>
+            </ac:spMkLst>
+          </pc:spChg>
+        </pc:sldLayoutChg>
+        <pc:sldLayoutChg chg="modSp">
+          <pc:chgData name="Zhao Jin" userId="cd05a825-544c-438a-9ba1-08e63db50b47" providerId="ADAL" clId="{FB8D0332-BB01-074F-9BB6-FFB5B3E6FF8D}" dt="2021-01-27T04:59:06.721" v="57"/>
+          <pc:sldLayoutMkLst>
+            <pc:docMk/>
+            <pc:sldMasterMk cId="0" sldId="2147485087"/>
+            <pc:sldLayoutMk cId="0" sldId="2147485094"/>
+          </pc:sldLayoutMkLst>
+          <pc:spChg chg="mod">
+            <ac:chgData name="Zhao Jin" userId="cd05a825-544c-438a-9ba1-08e63db50b47" providerId="ADAL" clId="{FB8D0332-BB01-074F-9BB6-FFB5B3E6FF8D}" dt="2021-01-27T04:59:06.721" v="57"/>
+            <ac:spMkLst>
+              <pc:docMk/>
+              <pc:sldMasterMk cId="0" sldId="2147485087"/>
+              <pc:sldLayoutMk cId="0" sldId="2147485094"/>
+              <ac:spMk id="4" creationId="{00000000-0000-0000-0000-000000000000}"/>
+            </ac:spMkLst>
+          </pc:spChg>
+        </pc:sldLayoutChg>
+        <pc:sldLayoutChg chg="modSp">
+          <pc:chgData name="Zhao Jin" userId="cd05a825-544c-438a-9ba1-08e63db50b47" providerId="ADAL" clId="{FB8D0332-BB01-074F-9BB6-FFB5B3E6FF8D}" dt="2021-01-27T04:59:06.721" v="57"/>
+          <pc:sldLayoutMkLst>
+            <pc:docMk/>
+            <pc:sldMasterMk cId="0" sldId="2147485087"/>
+            <pc:sldLayoutMk cId="0" sldId="2147485095"/>
+          </pc:sldLayoutMkLst>
+          <pc:spChg chg="mod">
+            <ac:chgData name="Zhao Jin" userId="cd05a825-544c-438a-9ba1-08e63db50b47" providerId="ADAL" clId="{FB8D0332-BB01-074F-9BB6-FFB5B3E6FF8D}" dt="2021-01-27T04:59:06.721" v="57"/>
+            <ac:spMkLst>
+              <pc:docMk/>
+              <pc:sldMasterMk cId="0" sldId="2147485087"/>
+              <pc:sldLayoutMk cId="0" sldId="2147485095"/>
+              <ac:spMk id="7" creationId="{00000000-0000-0000-0000-000000000000}"/>
+            </ac:spMkLst>
+          </pc:spChg>
+        </pc:sldLayoutChg>
+        <pc:sldLayoutChg chg="modSp">
+          <pc:chgData name="Zhao Jin" userId="cd05a825-544c-438a-9ba1-08e63db50b47" providerId="ADAL" clId="{FB8D0332-BB01-074F-9BB6-FFB5B3E6FF8D}" dt="2021-01-27T04:59:06.721" v="57"/>
+          <pc:sldLayoutMkLst>
+            <pc:docMk/>
+            <pc:sldMasterMk cId="0" sldId="2147485087"/>
+            <pc:sldLayoutMk cId="0" sldId="2147485096"/>
+          </pc:sldLayoutMkLst>
+          <pc:spChg chg="mod">
+            <ac:chgData name="Zhao Jin" userId="cd05a825-544c-438a-9ba1-08e63db50b47" providerId="ADAL" clId="{FB8D0332-BB01-074F-9BB6-FFB5B3E6FF8D}" dt="2021-01-27T04:59:06.721" v="57"/>
+            <ac:spMkLst>
+              <pc:docMk/>
+              <pc:sldMasterMk cId="0" sldId="2147485087"/>
+              <pc:sldLayoutMk cId="0" sldId="2147485096"/>
+              <ac:spMk id="7" creationId="{00000000-0000-0000-0000-000000000000}"/>
+            </ac:spMkLst>
+          </pc:spChg>
+        </pc:sldLayoutChg>
+        <pc:sldLayoutChg chg="modSp">
+          <pc:chgData name="Zhao Jin" userId="cd05a825-544c-438a-9ba1-08e63db50b47" providerId="ADAL" clId="{FB8D0332-BB01-074F-9BB6-FFB5B3E6FF8D}" dt="2021-01-27T04:59:06.721" v="57"/>
+          <pc:sldLayoutMkLst>
+            <pc:docMk/>
+            <pc:sldMasterMk cId="0" sldId="2147485087"/>
+            <pc:sldLayoutMk cId="0" sldId="2147485097"/>
+          </pc:sldLayoutMkLst>
+          <pc:spChg chg="mod">
+            <ac:chgData name="Zhao Jin" userId="cd05a825-544c-438a-9ba1-08e63db50b47" providerId="ADAL" clId="{FB8D0332-BB01-074F-9BB6-FFB5B3E6FF8D}" dt="2021-01-27T04:59:06.721" v="57"/>
+            <ac:spMkLst>
+              <pc:docMk/>
+              <pc:sldMasterMk cId="0" sldId="2147485087"/>
+              <pc:sldLayoutMk cId="0" sldId="2147485097"/>
+              <ac:spMk id="6" creationId="{00000000-0000-0000-0000-000000000000}"/>
+            </ac:spMkLst>
+          </pc:spChg>
+        </pc:sldLayoutChg>
+        <pc:sldLayoutChg chg="modSp">
+          <pc:chgData name="Zhao Jin" userId="cd05a825-544c-438a-9ba1-08e63db50b47" providerId="ADAL" clId="{FB8D0332-BB01-074F-9BB6-FFB5B3E6FF8D}" dt="2021-01-27T04:59:06.721" v="57"/>
+          <pc:sldLayoutMkLst>
+            <pc:docMk/>
+            <pc:sldMasterMk cId="0" sldId="2147485087"/>
+            <pc:sldLayoutMk cId="0" sldId="2147485098"/>
+          </pc:sldLayoutMkLst>
+          <pc:spChg chg="mod">
+            <ac:chgData name="Zhao Jin" userId="cd05a825-544c-438a-9ba1-08e63db50b47" providerId="ADAL" clId="{FB8D0332-BB01-074F-9BB6-FFB5B3E6FF8D}" dt="2021-01-27T04:59:06.721" v="57"/>
+            <ac:spMkLst>
+              <pc:docMk/>
+              <pc:sldMasterMk cId="0" sldId="2147485087"/>
+              <pc:sldLayoutMk cId="0" sldId="2147485098"/>
+              <ac:spMk id="6" creationId="{00000000-0000-0000-0000-000000000000}"/>
+            </ac:spMkLst>
+          </pc:spChg>
+        </pc:sldLayoutChg>
+      </pc:sldMasterChg>
+    </pc:docChg>
+  </pc:docChgLst>
+  <pc:docChgLst>
+    <pc:chgData name="Zhao Jin" userId="cd05a825-544c-438a-9ba1-08e63db50b47" providerId="ADAL" clId="{34042362-BF89-4AEA-AA31-12E8174ECDD6}"/>
+    <pc:docChg chg="modSld">
+      <pc:chgData name="Zhao Jin" userId="cd05a825-544c-438a-9ba1-08e63db50b47" providerId="ADAL" clId="{34042362-BF89-4AEA-AA31-12E8174ECDD6}" dt="2021-02-01T05:26:40.882" v="4" actId="207"/>
+      <pc:docMkLst>
+        <pc:docMk/>
+      </pc:docMkLst>
+      <pc:sldChg chg="modSp mod">
+        <pc:chgData name="Zhao Jin" userId="cd05a825-544c-438a-9ba1-08e63db50b47" providerId="ADAL" clId="{34042362-BF89-4AEA-AA31-12E8174ECDD6}" dt="2021-02-01T05:26:05.717" v="0" actId="20577"/>
+        <pc:sldMkLst>
+          <pc:docMk/>
+          <pc:sldMk cId="2438607696" sldId="468"/>
+        </pc:sldMkLst>
+        <pc:spChg chg="mod">
+          <ac:chgData name="Zhao Jin" userId="cd05a825-544c-438a-9ba1-08e63db50b47" providerId="ADAL" clId="{34042362-BF89-4AEA-AA31-12E8174ECDD6}" dt="2021-02-01T05:26:05.717" v="0" actId="20577"/>
+          <ac:spMkLst>
+            <pc:docMk/>
+            <pc:sldMk cId="2438607696" sldId="468"/>
+            <ac:spMk id="14339" creationId="{00000000-0000-0000-0000-000000000000}"/>
+          </ac:spMkLst>
+        </pc:spChg>
+      </pc:sldChg>
+      <pc:sldChg chg="modSp mod">
+        <pc:chgData name="Zhao Jin" userId="cd05a825-544c-438a-9ba1-08e63db50b47" providerId="ADAL" clId="{34042362-BF89-4AEA-AA31-12E8174ECDD6}" dt="2021-02-01T05:26:40.882" v="4" actId="207"/>
+        <pc:sldMkLst>
+          <pc:docMk/>
+          <pc:sldMk cId="1352675019" sldId="551"/>
+        </pc:sldMkLst>
+        <pc:spChg chg="mod">
+          <ac:chgData name="Zhao Jin" userId="cd05a825-544c-438a-9ba1-08e63db50b47" providerId="ADAL" clId="{34042362-BF89-4AEA-AA31-12E8174ECDD6}" dt="2021-02-01T05:26:40.882" v="4" actId="207"/>
+          <ac:spMkLst>
+            <pc:docMk/>
+            <pc:sldMk cId="1352675019" sldId="551"/>
+            <ac:spMk id="10" creationId="{00000000-0000-0000-0000-000000000000}"/>
           </ac:spMkLst>
         </pc:spChg>
       </pc:sldChg>
@@ -2737,7 +2768,7 @@
               <a:pPr>
                 <a:defRPr/>
               </a:pPr>
-              <a:t>1/27/2021</a:t>
+              <a:t>2/1/2021</a:t>
             </a:fld>
             <a:endParaRPr lang="en-US" dirty="0"/>
           </a:p>
@@ -7571,10 +7602,9 @@
               <a:buAutoNum type="arabicPeriod"/>
             </a:pPr>
             <a:r>
-              <a:rPr lang="en-GB" sz="2800"/>
-              <a:t>Short-circuit Evaluation</a:t>
-            </a:r>
-            <a:endParaRPr lang="en-GB" sz="2800" dirty="0"/>
+              <a:rPr lang="en-GB" sz="2800" dirty="0"/>
+              <a:t>Short-Circuit Evaluation</a:t>
+            </a:r>
           </a:p>
         </p:txBody>
       </p:sp>
@@ -8324,12 +8354,22 @@
                 <a:latin typeface="Courier New" pitchFamily="49" charset="0"/>
                 <a:cs typeface="Courier New" pitchFamily="49" charset="0"/>
               </a:rPr>
-              <a:t>  cs1010_println_string("x and y </a:t>
+              <a:t>  cs1010_println_string(</a:t>
+            </a:r>
+            <a:r>
+              <a:rPr lang="en-US" b="1" dirty="0">
+                <a:solidFill>
+                  <a:srgbClr val="006600"/>
+                </a:solidFill>
+                <a:latin typeface="Courier New" pitchFamily="49" charset="0"/>
+                <a:cs typeface="Courier New" pitchFamily="49" charset="0"/>
+              </a:rPr>
+              <a:t>"x and y </a:t>
             </a:r>
             <a:br>
               <a:rPr lang="en-US" b="1" dirty="0">
                 <a:solidFill>
-                  <a:schemeClr val="tx1"/>
+                  <a:srgbClr val="006600"/>
                 </a:solidFill>
                 <a:latin typeface="Courier New" pitchFamily="49" charset="0"/>
                 <a:cs typeface="Courier New" pitchFamily="49" charset="0"/>
@@ -8338,12 +8378,22 @@
             <a:r>
               <a:rPr lang="en-US" b="1" dirty="0">
                 <a:solidFill>
-                  <a:schemeClr val="tx1"/>
+                  <a:srgbClr val="006600"/>
                 </a:solidFill>
                 <a:latin typeface="Courier New" pitchFamily="49" charset="0"/>
                 <a:cs typeface="Courier New" pitchFamily="49" charset="0"/>
               </a:rPr>
-              <a:t>                         store different values.");</a:t>
+              <a:t>                         store different values."</a:t>
+            </a:r>
+            <a:r>
+              <a:rPr lang="en-US" b="1" dirty="0">
+                <a:solidFill>
+                  <a:schemeClr val="tx1"/>
+                </a:solidFill>
+                <a:latin typeface="Courier New" pitchFamily="49" charset="0"/>
+                <a:cs typeface="Courier New" pitchFamily="49" charset="0"/>
+              </a:rPr>
+              <a:t>);</a:t>
             </a:r>
           </a:p>
           <a:p>
@@ -8358,7 +8408,27 @@
                 <a:latin typeface="Courier New" pitchFamily="49" charset="0"/>
                 <a:cs typeface="Courier New" pitchFamily="49" charset="0"/>
               </a:rPr>
-              <a:t>} else {</a:t>
+              <a:t>} </a:t>
+            </a:r>
+            <a:r>
+              <a:rPr lang="en-US" b="1" dirty="0">
+                <a:solidFill>
+                  <a:srgbClr val="0000FF"/>
+                </a:solidFill>
+                <a:latin typeface="Courier New" pitchFamily="49" charset="0"/>
+                <a:cs typeface="Courier New" pitchFamily="49" charset="0"/>
+              </a:rPr>
+              <a:t>else</a:t>
+            </a:r>
+            <a:r>
+              <a:rPr lang="en-US" b="1" dirty="0">
+                <a:solidFill>
+                  <a:schemeClr val="tx1"/>
+                </a:solidFill>
+                <a:latin typeface="Courier New" pitchFamily="49" charset="0"/>
+                <a:cs typeface="Courier New" pitchFamily="49" charset="0"/>
+              </a:rPr>
+              <a:t> {</a:t>
             </a:r>
           </a:p>
           <a:p>
@@ -8373,12 +8443,22 @@
                 <a:latin typeface="Courier New" pitchFamily="49" charset="0"/>
                 <a:cs typeface="Courier New" pitchFamily="49" charset="0"/>
               </a:rPr>
-              <a:t>  cs1010_println_string("x and y </a:t>
+              <a:t>  cs1010_println_string(</a:t>
+            </a:r>
+            <a:r>
+              <a:rPr lang="en-US" b="1" dirty="0">
+                <a:solidFill>
+                  <a:srgbClr val="006600"/>
+                </a:solidFill>
+                <a:latin typeface="Courier New" pitchFamily="49" charset="0"/>
+                <a:cs typeface="Courier New" pitchFamily="49" charset="0"/>
+              </a:rPr>
+              <a:t>"x and y </a:t>
             </a:r>
             <a:br>
               <a:rPr lang="en-US" b="1" dirty="0">
                 <a:solidFill>
-                  <a:schemeClr val="tx1"/>
+                  <a:srgbClr val="006600"/>
                 </a:solidFill>
                 <a:latin typeface="Courier New" pitchFamily="49" charset="0"/>
                 <a:cs typeface="Courier New" pitchFamily="49" charset="0"/>
@@ -8387,12 +8467,22 @@
             <a:r>
               <a:rPr lang="en-US" b="1" dirty="0">
                 <a:solidFill>
-                  <a:schemeClr val="tx1"/>
+                  <a:srgbClr val="006600"/>
                 </a:solidFill>
                 <a:latin typeface="Courier New" pitchFamily="49" charset="0"/>
                 <a:cs typeface="Courier New" pitchFamily="49" charset="0"/>
               </a:rPr>
-              <a:t>                         store the same value.");</a:t>
+              <a:t>                         store the same value."</a:t>
+            </a:r>
+            <a:r>
+              <a:rPr lang="en-US" b="1" dirty="0">
+                <a:solidFill>
+                  <a:schemeClr val="tx1"/>
+                </a:solidFill>
+                <a:latin typeface="Courier New" pitchFamily="49" charset="0"/>
+                <a:cs typeface="Courier New" pitchFamily="49" charset="0"/>
+              </a:rPr>
+              <a:t>);</a:t>
             </a:r>
           </a:p>
           <a:p>
